--- a/docs/diagrams/UiComponentClassDiagram.pptx
+++ b/docs/diagrams/UiComponentClassDiagram.pptx
@@ -109,7 +109,7 @@
   </p:defaultTextStyle>
   <p:extLst>
     <p:ext uri="{EFAFB233-063F-42B5-8137-9DF3F51BA10A}">
-      <p15:sldGuideLst xmlns:p15="http://schemas.microsoft.com/office/powerpoint/2012/main" xmlns="">
+      <p15:sldGuideLst xmlns="" xmlns:p15="http://schemas.microsoft.com/office/powerpoint/2012/main">
         <p15:guide id="1" orient="horz" pos="1488">
           <p15:clr>
             <a:srgbClr val="A4A3A4"/>
@@ -208,7 +208,7 @@
           <a:p>
             <a:fld id="{F5CC4B3F-88C1-4FFA-B1B6-F41C21DC6924}" type="datetimeFigureOut">
               <a:rPr lang="en-US" smtClean="0"/>
-              <a:t>3/5/2018</a:t>
+              <a:t>4/2/2018</a:t>
             </a:fld>
             <a:endParaRPr lang="en-US"/>
           </a:p>
@@ -654,7 +654,7 @@
           <a:p>
             <a:fld id="{78C97017-6FC3-485B-9764-EAC9E56C1D49}" type="datetimeFigureOut">
               <a:rPr lang="en-US" smtClean="0"/>
-              <a:t>3/5/2018</a:t>
+              <a:t>4/2/2018</a:t>
             </a:fld>
             <a:endParaRPr lang="en-US"/>
           </a:p>
@@ -822,7 +822,7 @@
           <a:p>
             <a:fld id="{78C97017-6FC3-485B-9764-EAC9E56C1D49}" type="datetimeFigureOut">
               <a:rPr lang="en-US" smtClean="0"/>
-              <a:t>3/5/2018</a:t>
+              <a:t>4/2/2018</a:t>
             </a:fld>
             <a:endParaRPr lang="en-US"/>
           </a:p>
@@ -1000,7 +1000,7 @@
           <a:p>
             <a:fld id="{78C97017-6FC3-485B-9764-EAC9E56C1D49}" type="datetimeFigureOut">
               <a:rPr lang="en-US" smtClean="0"/>
-              <a:t>3/5/2018</a:t>
+              <a:t>4/2/2018</a:t>
             </a:fld>
             <a:endParaRPr lang="en-US"/>
           </a:p>
@@ -1168,7 +1168,7 @@
           <a:p>
             <a:fld id="{78C97017-6FC3-485B-9764-EAC9E56C1D49}" type="datetimeFigureOut">
               <a:rPr lang="en-US" smtClean="0"/>
-              <a:t>3/5/2018</a:t>
+              <a:t>4/2/2018</a:t>
             </a:fld>
             <a:endParaRPr lang="en-US"/>
           </a:p>
@@ -1413,7 +1413,7 @@
           <a:p>
             <a:fld id="{78C97017-6FC3-485B-9764-EAC9E56C1D49}" type="datetimeFigureOut">
               <a:rPr lang="en-US" smtClean="0"/>
-              <a:t>3/5/2018</a:t>
+              <a:t>4/2/2018</a:t>
             </a:fld>
             <a:endParaRPr lang="en-US"/>
           </a:p>
@@ -1698,7 +1698,7 @@
           <a:p>
             <a:fld id="{78C97017-6FC3-485B-9764-EAC9E56C1D49}" type="datetimeFigureOut">
               <a:rPr lang="en-US" smtClean="0"/>
-              <a:t>3/5/2018</a:t>
+              <a:t>4/2/2018</a:t>
             </a:fld>
             <a:endParaRPr lang="en-US"/>
           </a:p>
@@ -2117,7 +2117,7 @@
           <a:p>
             <a:fld id="{78C97017-6FC3-485B-9764-EAC9E56C1D49}" type="datetimeFigureOut">
               <a:rPr lang="en-US" smtClean="0"/>
-              <a:t>3/5/2018</a:t>
+              <a:t>4/2/2018</a:t>
             </a:fld>
             <a:endParaRPr lang="en-US"/>
           </a:p>
@@ -2234,7 +2234,7 @@
           <a:p>
             <a:fld id="{78C97017-6FC3-485B-9764-EAC9E56C1D49}" type="datetimeFigureOut">
               <a:rPr lang="en-US" smtClean="0"/>
-              <a:t>3/5/2018</a:t>
+              <a:t>4/2/2018</a:t>
             </a:fld>
             <a:endParaRPr lang="en-US"/>
           </a:p>
@@ -2329,7 +2329,7 @@
           <a:p>
             <a:fld id="{78C97017-6FC3-485B-9764-EAC9E56C1D49}" type="datetimeFigureOut">
               <a:rPr lang="en-US" smtClean="0"/>
-              <a:t>3/5/2018</a:t>
+              <a:t>4/2/2018</a:t>
             </a:fld>
             <a:endParaRPr lang="en-US"/>
           </a:p>
@@ -2604,7 +2604,7 @@
           <a:p>
             <a:fld id="{78C97017-6FC3-485B-9764-EAC9E56C1D49}" type="datetimeFigureOut">
               <a:rPr lang="en-US" smtClean="0"/>
-              <a:t>3/5/2018</a:t>
+              <a:t>4/2/2018</a:t>
             </a:fld>
             <a:endParaRPr lang="en-US"/>
           </a:p>
@@ -2856,7 +2856,7 @@
           <a:p>
             <a:fld id="{78C97017-6FC3-485B-9764-EAC9E56C1D49}" type="datetimeFigureOut">
               <a:rPr lang="en-US" smtClean="0"/>
-              <a:t>3/5/2018</a:t>
+              <a:t>4/2/2018</a:t>
             </a:fld>
             <a:endParaRPr lang="en-US"/>
           </a:p>
@@ -3067,7 +3067,7 @@
           <a:p>
             <a:fld id="{78C97017-6FC3-485B-9764-EAC9E56C1D49}" type="datetimeFigureOut">
               <a:rPr lang="en-US" smtClean="0"/>
-              <a:t>3/5/2018</a:t>
+              <a:t>4/2/2018</a:t>
             </a:fld>
             <a:endParaRPr lang="en-US"/>
           </a:p>
@@ -3918,14 +3918,24 @@
           <a:p>
             <a:pPr algn="ctr"/>
             <a:r>
-              <a:rPr lang="en-US" sz="1050" b="1" dirty="0" err="1">
+              <a:rPr lang="en-US" sz="1050" b="1" dirty="0" err="1" smtClean="0">
                 <a:solidFill>
                   <a:schemeClr val="accent3">
                     <a:lumMod val="75000"/>
                   </a:schemeClr>
                 </a:solidFill>
               </a:rPr>
-              <a:t>BrowserPanel</a:t>
+              <a:t>Calendar</a:t>
+            </a:r>
+            <a:r>
+              <a:rPr lang="en-US" sz="1050" b="1" dirty="0" err="1" smtClean="0">
+                <a:solidFill>
+                  <a:schemeClr val="accent3">
+                    <a:lumMod val="75000"/>
+                  </a:schemeClr>
+                </a:solidFill>
+              </a:rPr>
+              <a:t>Panel</a:t>
             </a:r>
             <a:endParaRPr lang="en-SG" sz="1050" b="1" dirty="0">
               <a:solidFill>
@@ -4105,17 +4115,7 @@
                   </a:schemeClr>
                 </a:solidFill>
               </a:rPr>
-              <a:t>Task</a:t>
-            </a:r>
-            <a:r>
-              <a:rPr lang="en-US" sz="1050" b="1" dirty="0" err="1" smtClean="0">
-                <a:solidFill>
-                  <a:schemeClr val="accent3">
-                    <a:lumMod val="75000"/>
-                  </a:schemeClr>
-                </a:solidFill>
-              </a:rPr>
-              <a:t>Card</a:t>
+              <a:t>TaskCard</a:t>
             </a:r>
             <a:endParaRPr lang="en-SG" sz="1050" b="1" dirty="0">
               <a:solidFill>
